--- a/CompletePosterWithProject.pptx
+++ b/CompletePosterWithProject.pptx
@@ -1613,7 +1613,7 @@
         </p:nvSpPr>
         <p:spPr bwMode="auto">
           <a:xfrm>
-            <a:off x="17164050" y="33187091"/>
+            <a:off x="17264062" y="28100405"/>
             <a:ext cx="7372350" cy="707886"/>
           </a:xfrm>
           <a:prstGeom prst="rect">
@@ -1640,7 +1640,10 @@
               </a:spcBef>
             </a:pPr>
             <a:r>
-              <a:rPr lang="en-US" sz="4000" b="1" dirty="0"/>
+              <a:rPr lang="en-US" sz="4000" b="1" dirty="0">
+                <a:latin typeface="Times New Roman" panose="02020603050405020304" pitchFamily="18" charset="0"/>
+                <a:cs typeface="Times New Roman" panose="02020603050405020304" pitchFamily="18" charset="0"/>
+              </a:rPr>
               <a:t>Conclusions</a:t>
             </a:r>
           </a:p>
@@ -1839,7 +1842,7 @@
         </p:nvSpPr>
         <p:spPr bwMode="auto">
           <a:xfrm>
-            <a:off x="16211774" y="36969227"/>
+            <a:off x="16135351" y="35183762"/>
             <a:ext cx="6229350" cy="1082675"/>
           </a:xfrm>
           <a:prstGeom prst="rect">
@@ -1885,8 +1888,8 @@
         </p:nvSpPr>
         <p:spPr bwMode="auto">
           <a:xfrm>
-            <a:off x="17164050" y="38051902"/>
-            <a:ext cx="14039850" cy="4093638"/>
+            <a:off x="17256681" y="36266437"/>
+            <a:ext cx="14039850" cy="6217297"/>
           </a:xfrm>
           <a:prstGeom prst="rect">
             <a:avLst/>
@@ -1925,7 +1928,7 @@
               </a:rPr>
             </a:br>
             <a:r>
-              <a:rPr lang="en-US" sz="1800" b="0" i="0" u="none" strike="noStrike" dirty="0">
+              <a:rPr lang="en-US" sz="2400" b="0" i="0" u="none" strike="noStrike" dirty="0">
                 <a:solidFill>
                   <a:srgbClr val="595959"/>
                 </a:solidFill>
@@ -1935,7 +1938,7 @@
               <a:t>[1] </a:t>
             </a:r>
             <a:r>
-              <a:rPr lang="en-US" sz="1800" b="0" i="0" u="none" strike="noStrike" dirty="0" err="1">
+              <a:rPr lang="en-US" sz="2400" b="0" i="0" u="none" strike="noStrike" dirty="0" err="1">
                 <a:solidFill>
                   <a:srgbClr val="303133"/>
                 </a:solidFill>
@@ -1945,7 +1948,7 @@
               <a:t>B.Jaya</a:t>
             </a:r>
             <a:r>
-              <a:rPr lang="en-US" sz="1800" b="0" i="0" u="none" strike="noStrike" dirty="0">
+              <a:rPr lang="en-US" sz="2400" b="0" i="0" u="none" strike="noStrike" dirty="0">
                 <a:solidFill>
                   <a:srgbClr val="303133"/>
                 </a:solidFill>
@@ -1955,7 +1958,7 @@
               <a:t> Lakshmi, </a:t>
             </a:r>
             <a:r>
-              <a:rPr lang="en-US" sz="1800" b="0" i="0" u="none" strike="noStrike" dirty="0" err="1">
+              <a:rPr lang="en-US" sz="2400" b="0" i="0" u="none" strike="noStrike" dirty="0" err="1">
                 <a:solidFill>
                   <a:srgbClr val="303133"/>
                 </a:solidFill>
@@ -1965,7 +1968,7 @@
               <a:t>K.B.Madhuri</a:t>
             </a:r>
             <a:r>
-              <a:rPr lang="en-US" sz="1800" b="0" i="0" u="none" strike="noStrike" dirty="0">
+              <a:rPr lang="en-US" sz="2400" b="0" i="0" u="none" strike="noStrike" dirty="0">
                 <a:solidFill>
                   <a:srgbClr val="303133"/>
                 </a:solidFill>
@@ -1975,7 +1978,7 @@
               <a:t>, </a:t>
             </a:r>
             <a:r>
-              <a:rPr lang="en-US" sz="1800" b="0" i="0" u="none" strike="noStrike" dirty="0" err="1">
+              <a:rPr lang="en-US" sz="2400" b="0" i="0" u="none" strike="noStrike" dirty="0" err="1">
                 <a:solidFill>
                   <a:srgbClr val="303133"/>
                 </a:solidFill>
@@ -1985,7 +1988,7 @@
               <a:t>M.Shashi</a:t>
             </a:r>
             <a:r>
-              <a:rPr lang="en-US" sz="1800" b="0" i="0" u="none" strike="noStrike" dirty="0">
+              <a:rPr lang="en-US" sz="2400" b="0" i="0" u="none" strike="noStrike" dirty="0">
                 <a:solidFill>
                   <a:srgbClr val="303133"/>
                 </a:solidFill>
@@ -1995,7 +1998,7 @@
               <a:t>, "An Efficient Algorithm for Density Based Subspace Clustering with Dynamic Parameter Setting", International Journal of Information Technology and Computer Science(IJITCS), Vol.9, No.6, pp.27-33, 2017. DOI:10.5815/ijitcs.2017.06.04</a:t>
             </a:r>
             <a:br>
-              <a:rPr lang="en-US" sz="1800" b="1" i="0" u="none" strike="noStrike" dirty="0">
+              <a:rPr lang="en-US" sz="2400" b="1" i="0" u="none" strike="noStrike" dirty="0">
                 <a:solidFill>
                   <a:srgbClr val="595959"/>
                 </a:solidFill>
@@ -2005,7 +2008,7 @@
               </a:rPr>
             </a:br>
             <a:r>
-              <a:rPr lang="en-US" sz="1800" b="1" i="0" u="none" strike="noStrike" dirty="0">
+              <a:rPr lang="en-US" sz="2400" b="1" i="0" u="none" strike="noStrike" dirty="0">
                 <a:solidFill>
                   <a:srgbClr val="595959"/>
                 </a:solidFill>
@@ -2015,7 +2018,7 @@
               <a:t>[2] </a:t>
             </a:r>
             <a:r>
-              <a:rPr lang="en-US" sz="1800" b="0" i="0" u="none" strike="noStrike" dirty="0">
+              <a:rPr lang="en-US" sz="2400" b="0" i="0" u="none" strike="noStrike" dirty="0">
                 <a:solidFill>
                   <a:srgbClr val="333333"/>
                 </a:solidFill>
@@ -2025,7 +2028,7 @@
               <a:t>Y. Yang and N. Li, "Research on Residents’ Travel Behavior Based on Multiple Logistic Regression Model," in </a:t>
             </a:r>
             <a:r>
-              <a:rPr lang="en-US" sz="1800" b="0" i="1" u="none" strike="noStrike" dirty="0">
+              <a:rPr lang="en-US" sz="2400" b="0" i="1" u="none" strike="noStrike" dirty="0">
                 <a:solidFill>
                   <a:srgbClr val="333333"/>
                 </a:solidFill>
@@ -2035,7 +2038,7 @@
               <a:t>IEEE Access</a:t>
             </a:r>
             <a:r>
-              <a:rPr lang="en-US" sz="1800" b="0" i="0" u="none" strike="noStrike" dirty="0">
+              <a:rPr lang="en-US" sz="2400" b="0" i="0" u="none" strike="noStrike" dirty="0">
                 <a:solidFill>
                   <a:srgbClr val="333333"/>
                 </a:solidFill>
@@ -2045,7 +2048,7 @@
               <a:t>, vol. 11, pp. 74759-74767, 2023, </a:t>
             </a:r>
             <a:r>
-              <a:rPr lang="en-US" sz="1800" b="0" i="0" u="none" strike="noStrike" dirty="0" err="1">
+              <a:rPr lang="en-US" sz="2400" b="0" i="0" u="none" strike="noStrike" dirty="0" err="1">
                 <a:solidFill>
                   <a:srgbClr val="333333"/>
                 </a:solidFill>
@@ -2055,7 +2058,7 @@
               <a:t>doi</a:t>
             </a:r>
             <a:r>
-              <a:rPr lang="en-US" sz="1800" b="0" i="0" u="none" strike="noStrike" dirty="0">
+              <a:rPr lang="en-US" sz="2400" b="0" i="0" u="none" strike="noStrike" dirty="0">
                 <a:solidFill>
                   <a:srgbClr val="333333"/>
                 </a:solidFill>
@@ -2065,7 +2068,7 @@
               <a:t>: 10.1109/ACCESS.2023.3297497.</a:t>
             </a:r>
             <a:br>
-              <a:rPr lang="en-US" sz="1800" b="0" i="0" u="none" strike="noStrike" dirty="0">
+              <a:rPr lang="en-US" sz="2400" b="0" i="0" u="none" strike="noStrike" dirty="0">
                 <a:solidFill>
                   <a:srgbClr val="000000"/>
                 </a:solidFill>
@@ -2075,7 +2078,7 @@
               </a:rPr>
             </a:br>
             <a:r>
-              <a:rPr lang="en-US" sz="1800" b="0" i="0" u="none" strike="noStrike" dirty="0">
+              <a:rPr lang="en-US" sz="2400" b="0" i="0" u="none" strike="noStrike" dirty="0">
                 <a:solidFill>
                   <a:srgbClr val="000000"/>
                 </a:solidFill>
@@ -2085,7 +2088,7 @@
               <a:t>[3] </a:t>
             </a:r>
             <a:r>
-              <a:rPr lang="en-US" sz="1800" b="0" i="0" u="none" strike="noStrike" dirty="0">
+              <a:rPr lang="en-US" sz="2400" b="0" i="0" u="none" strike="noStrike" dirty="0">
                 <a:solidFill>
                   <a:srgbClr val="333333"/>
                 </a:solidFill>
@@ -2095,7 +2098,7 @@
               <a:t>Y. -X. Wu, Z. -N. Hu, Y. -Y. Wang and F. Min, "Rare Potential Poor Household Identification With a Focus Embedded Logistic Regression," in </a:t>
             </a:r>
             <a:r>
-              <a:rPr lang="en-US" sz="1800" b="0" i="1" u="none" strike="noStrike" dirty="0">
+              <a:rPr lang="en-US" sz="2400" b="0" i="1" u="none" strike="noStrike" dirty="0">
                 <a:solidFill>
                   <a:srgbClr val="333333"/>
                 </a:solidFill>
@@ -2105,7 +2108,7 @@
               <a:t>IEEE Access</a:t>
             </a:r>
             <a:r>
-              <a:rPr lang="en-US" sz="1800" b="0" i="0" u="none" strike="noStrike" dirty="0">
+              <a:rPr lang="en-US" sz="2400" b="0" i="0" u="none" strike="noStrike" dirty="0">
                 <a:solidFill>
                   <a:srgbClr val="333333"/>
                 </a:solidFill>
@@ -2115,7 +2118,7 @@
               <a:t>, vol. 10, pp. 32954-32972, 2022, </a:t>
             </a:r>
             <a:r>
-              <a:rPr lang="en-US" sz="1800" b="0" i="0" u="none" strike="noStrike" dirty="0" err="1">
+              <a:rPr lang="en-US" sz="2400" b="0" i="0" u="none" strike="noStrike" dirty="0" err="1">
                 <a:solidFill>
                   <a:srgbClr val="333333"/>
                 </a:solidFill>
@@ -2125,7 +2128,7 @@
               <a:t>doi</a:t>
             </a:r>
             <a:r>
-              <a:rPr lang="en-US" sz="1800" b="0" i="0" u="none" strike="noStrike" dirty="0">
+              <a:rPr lang="en-US" sz="2400" b="0" i="0" u="none" strike="noStrike" dirty="0">
                 <a:solidFill>
                   <a:srgbClr val="333333"/>
                 </a:solidFill>
@@ -2135,14 +2138,14 @@
               <a:t>: 10.1109/ACCESS.2022.3161574.</a:t>
             </a:r>
             <a:br>
-              <a:rPr lang="en-US" sz="1800" dirty="0"/>
+              <a:rPr lang="en-US" sz="2400" dirty="0"/>
             </a:br>
             <a:r>
-              <a:rPr lang="en-US" sz="1800" dirty="0"/>
+              <a:rPr lang="en-US" sz="2400" dirty="0"/>
               <a:t>[4] </a:t>
             </a:r>
             <a:r>
-              <a:rPr lang="en-US" sz="1800" b="0" i="0" u="none" strike="noStrike" dirty="0">
+              <a:rPr lang="en-US" sz="2400" b="0" i="0" u="none" strike="noStrike" dirty="0">
                 <a:solidFill>
                   <a:srgbClr val="000000"/>
                 </a:solidFill>
@@ -2152,7 +2155,7 @@
               <a:t>Neo4J in Action Author: Jonas Partner, </a:t>
             </a:r>
             <a:r>
-              <a:rPr lang="en-US" sz="1800" b="0" i="0" u="none" strike="noStrike" dirty="0" err="1">
+              <a:rPr lang="en-US" sz="2400" b="0" i="0" u="none" strike="noStrike" dirty="0" err="1">
                 <a:solidFill>
                   <a:srgbClr val="000000"/>
                 </a:solidFill>
@@ -2162,7 +2165,7 @@
               <a:t>Aleksa</a:t>
             </a:r>
             <a:r>
-              <a:rPr lang="en-US" sz="1800" b="0" i="0" u="none" strike="noStrike" dirty="0">
+              <a:rPr lang="en-US" sz="2400" b="0" i="0" u="none" strike="noStrike" dirty="0">
                 <a:solidFill>
                   <a:srgbClr val="000000"/>
                 </a:solidFill>
@@ -2172,7 +2175,7 @@
               <a:t> </a:t>
             </a:r>
             <a:r>
-              <a:rPr lang="en-US" sz="1800" b="0" i="0" u="none" strike="noStrike" dirty="0" err="1">
+              <a:rPr lang="en-US" sz="2400" b="0" i="0" u="none" strike="noStrike" dirty="0" err="1">
                 <a:solidFill>
                   <a:srgbClr val="000000"/>
                 </a:solidFill>
@@ -2182,7 +2185,7 @@
               <a:t>Vukotic</a:t>
             </a:r>
             <a:r>
-              <a:rPr lang="en-US" sz="1800" b="0" i="0" u="none" strike="noStrike" dirty="0">
+              <a:rPr lang="en-US" sz="2400" b="0" i="0" u="none" strike="noStrike" dirty="0">
                 <a:solidFill>
                   <a:srgbClr val="000000"/>
                 </a:solidFill>
@@ -2192,14 +2195,14 @@
               <a:t>, and Nicki Watt</a:t>
             </a:r>
             <a:br>
-              <a:rPr lang="en-US" sz="1800" dirty="0"/>
+              <a:rPr lang="en-US" sz="2400" dirty="0"/>
             </a:br>
             <a:r>
-              <a:rPr lang="en-US" sz="1800" dirty="0"/>
+              <a:rPr lang="en-US" sz="2400" dirty="0"/>
               <a:t>[5] </a:t>
             </a:r>
             <a:r>
-              <a:rPr lang="en-US" sz="1800" b="0" i="0" u="none" strike="noStrike" dirty="0">
+              <a:rPr lang="en-US" sz="2400" b="0" i="0" u="none" strike="noStrike" dirty="0">
                 <a:solidFill>
                   <a:srgbClr val="000000"/>
                 </a:solidFill>
@@ -2209,7 +2212,7 @@
               <a:t>Storytelling with data: a data visualization guide for business </a:t>
             </a:r>
             <a:r>
-              <a:rPr lang="en-US" sz="1800" b="0" i="0" u="none" strike="noStrike" dirty="0" err="1">
+              <a:rPr lang="en-US" sz="2400" b="0" i="0" u="none" strike="noStrike" dirty="0" err="1">
                 <a:solidFill>
                   <a:srgbClr val="000000"/>
                 </a:solidFill>
@@ -2219,11 +2222,11 @@
               <a:t>professionals</a:t>
             </a:r>
             <a:r>
-              <a:rPr lang="en-US" sz="1800" dirty="0" err="1"/>
+              <a:rPr lang="en-US" sz="2400" dirty="0" err="1"/>
               <a:t>,</a:t>
             </a:r>
             <a:r>
-              <a:rPr lang="en-US" sz="1800" b="0" i="0" u="none" strike="noStrike" dirty="0" err="1">
+              <a:rPr lang="en-US" sz="2400" b="0" i="0" u="none" strike="noStrike" dirty="0" err="1">
                 <a:solidFill>
                   <a:srgbClr val="000000"/>
                 </a:solidFill>
@@ -2233,7 +2236,7 @@
               <a:t>Author</a:t>
             </a:r>
             <a:r>
-              <a:rPr lang="en-US" sz="1800" b="0" i="0" u="none" strike="noStrike" dirty="0">
+              <a:rPr lang="en-US" sz="2400" b="0" i="0" u="none" strike="noStrike" dirty="0">
                 <a:solidFill>
                   <a:srgbClr val="000000"/>
                 </a:solidFill>
@@ -2243,7 +2246,7 @@
               <a:t>: </a:t>
             </a:r>
             <a:r>
-              <a:rPr lang="en-US" sz="1800" b="0" i="0" u="none" strike="noStrike" dirty="0">
+              <a:rPr lang="en-US" sz="2400" b="0" i="0" u="none" strike="noStrike" dirty="0">
                 <a:solidFill>
                   <a:srgbClr val="000000"/>
                 </a:solidFill>
@@ -2254,10 +2257,10 @@
               <a:t>Cole Nussbaumer Knaflic</a:t>
             </a:r>
             <a:br>
-              <a:rPr lang="en-US" sz="1800" dirty="0"/>
+              <a:rPr lang="en-US" sz="2400" dirty="0"/>
             </a:br>
             <a:r>
-              <a:rPr lang="en-US" sz="1800" b="0" i="0" u="none" strike="noStrike" dirty="0">
+              <a:rPr lang="en-US" sz="2400" b="0" i="0" u="none" strike="noStrike" dirty="0">
                 <a:solidFill>
                   <a:srgbClr val="000000"/>
                 </a:solidFill>
@@ -2267,11 +2270,11 @@
               <a:t>[6]Fundamentals of Data Visualization:  A primer on making Informative and Compelling Figures</a:t>
             </a:r>
             <a:r>
-              <a:rPr lang="en-US" sz="1800" dirty="0"/>
+              <a:rPr lang="en-US" sz="2400" dirty="0"/>
               <a:t>, </a:t>
             </a:r>
             <a:r>
-              <a:rPr lang="en-US" sz="1800" b="0" i="0" u="none" strike="noStrike" dirty="0">
+              <a:rPr lang="en-US" sz="2400" b="0" i="0" u="none" strike="noStrike" dirty="0">
                 <a:solidFill>
                   <a:srgbClr val="000000"/>
                 </a:solidFill>
@@ -2281,14 +2284,14 @@
               <a:t>Author: Claus O. Wilke</a:t>
             </a:r>
             <a:br>
-              <a:rPr lang="en-US" sz="1800" dirty="0"/>
+              <a:rPr lang="en-US" sz="2400" dirty="0"/>
             </a:br>
             <a:r>
-              <a:rPr lang="en-US" sz="1800" dirty="0"/>
+              <a:rPr lang="en-US" sz="2400" dirty="0"/>
               <a:t>[7] </a:t>
             </a:r>
             <a:r>
-              <a:rPr lang="en-US" sz="1800" b="0" i="0" u="none" strike="noStrike" dirty="0">
+              <a:rPr lang="en-US" sz="2400" b="0" i="0" u="none" strike="noStrike" dirty="0">
                 <a:solidFill>
                   <a:srgbClr val="000000"/>
                 </a:solidFill>
@@ -2298,11 +2301,11 @@
               <a:t>Better Data Visualizations: A Guide for Scholars, Researchers, and Wonks</a:t>
             </a:r>
             <a:r>
-              <a:rPr lang="en-US" sz="1800" dirty="0"/>
+              <a:rPr lang="en-US" sz="2400" dirty="0"/>
               <a:t>, </a:t>
             </a:r>
             <a:r>
-              <a:rPr lang="en-US" sz="1800" b="0" i="0" u="none" strike="noStrike" dirty="0">
+              <a:rPr lang="en-US" sz="2400" b="0" i="0" u="none" strike="noStrike" dirty="0">
                 <a:solidFill>
                   <a:srgbClr val="000000"/>
                 </a:solidFill>
@@ -2312,7 +2315,7 @@
               <a:t>Author: Jonathan </a:t>
             </a:r>
             <a:r>
-              <a:rPr lang="en-US" sz="1800" b="0" i="0" u="none" strike="noStrike" dirty="0" err="1">
+              <a:rPr lang="en-US" sz="2400" b="0" i="0" u="none" strike="noStrike" dirty="0" err="1">
                 <a:solidFill>
                   <a:srgbClr val="000000"/>
                 </a:solidFill>
@@ -2322,14 +2325,14 @@
               <a:t>Schwabish</a:t>
             </a:r>
             <a:br>
-              <a:rPr lang="en-US" sz="1800" dirty="0"/>
+              <a:rPr lang="en-US" sz="2400" dirty="0"/>
             </a:br>
             <a:r>
-              <a:rPr lang="en-US" sz="1800" dirty="0"/>
+              <a:rPr lang="en-US" sz="2400" dirty="0"/>
               <a:t>[8] </a:t>
             </a:r>
             <a:r>
-              <a:rPr lang="en-US" sz="1800" b="0" i="0" u="none" strike="noStrike" dirty="0">
+              <a:rPr lang="en-US" sz="2400" b="0" i="0" u="none" strike="noStrike" dirty="0">
                 <a:solidFill>
                   <a:srgbClr val="000000"/>
                 </a:solidFill>
@@ -2339,11 +2342,11 @@
               <a:t>The visual display of quantitative information</a:t>
             </a:r>
             <a:r>
-              <a:rPr lang="en-US" sz="1800" dirty="0"/>
+              <a:rPr lang="en-US" sz="2400" dirty="0"/>
               <a:t>, </a:t>
             </a:r>
             <a:r>
-              <a:rPr lang="en-US" sz="1800" b="0" i="0" u="none" strike="noStrike" dirty="0">
+              <a:rPr lang="en-US" sz="2400" b="0" i="0" u="none" strike="noStrike" dirty="0">
                 <a:solidFill>
                   <a:srgbClr val="000000"/>
                 </a:solidFill>
@@ -2352,7 +2355,7 @@
               </a:rPr>
               <a:t>Author: Edward R. Tufte</a:t>
             </a:r>
-            <a:endParaRPr lang="en-US" sz="1800" b="0" dirty="0">
+            <a:endParaRPr lang="en-US" sz="2400" b="0" dirty="0">
               <a:effectLst/>
             </a:endParaRPr>
           </a:p>
@@ -2377,8 +2380,8 @@
         </p:nvSpPr>
         <p:spPr bwMode="auto">
           <a:xfrm>
-            <a:off x="17164050" y="34005726"/>
-            <a:ext cx="14525625" cy="3161075"/>
+            <a:off x="17264062" y="29327874"/>
+            <a:ext cx="14525625" cy="5266267"/>
           </a:xfrm>
           <a:prstGeom prst="rect">
             <a:avLst/>
@@ -2406,10 +2409,53 @@
             <a:r>
               <a:rPr lang="en-US" sz="2400" b="0" i="0" dirty="0">
                 <a:effectLst/>
-                <a:latin typeface="Söhne"/>
+                <a:latin typeface="Times New Roman" panose="02020603050405020304" pitchFamily="18" charset="0"/>
+                <a:cs typeface="Times New Roman" panose="02020603050405020304" pitchFamily="18" charset="0"/>
               </a:rPr>
               <a:t>In conclusion, the analysis of the customer purchasing behavior dataset has unveiled valuable insights into the dynamics of customer spending across different sales channels and product categories. Visualizations and statistical techniques have exposed variations in preferences and patterns that are pivotal for businesses seeking to optimize their marketing and distribution strategies. By identifying distinct behaviors within each sales channel and product category, companies can tailor their approaches to better meet customer needs.</a:t>
             </a:r>
+            <a:endParaRPr lang="ru-RU" sz="2400" b="0" i="0" dirty="0">
+              <a:effectLst/>
+              <a:latin typeface="Times New Roman" panose="02020603050405020304" pitchFamily="18" charset="0"/>
+              <a:cs typeface="Times New Roman" panose="02020603050405020304" pitchFamily="18" charset="0"/>
+            </a:endParaRPr>
+          </a:p>
+          <a:p>
+            <a:pPr algn="l" defTabSz="612775" eaLnBrk="0" hangingPunct="0">
+              <a:lnSpc>
+                <a:spcPct val="95000"/>
+              </a:lnSpc>
+            </a:pPr>
+            <a:endParaRPr lang="ru-RU" sz="2400" dirty="0">
+              <a:latin typeface="Times New Roman" panose="02020603050405020304" pitchFamily="18" charset="0"/>
+              <a:cs typeface="Times New Roman" panose="02020603050405020304" pitchFamily="18" charset="0"/>
+            </a:endParaRPr>
+          </a:p>
+          <a:p>
+            <a:pPr algn="l" defTabSz="612775" eaLnBrk="0" hangingPunct="0">
+              <a:lnSpc>
+                <a:spcPct val="95000"/>
+              </a:lnSpc>
+            </a:pPr>
+            <a:r>
+              <a:rPr lang="en-US" sz="2400" dirty="0">
+                <a:effectLst/>
+                <a:latin typeface="Times New Roman" panose="02020603050405020304" pitchFamily="18" charset="0"/>
+                <a:cs typeface="Times New Roman" panose="02020603050405020304" pitchFamily="18" charset="0"/>
+              </a:rPr>
+              <a:t>As a variable, Region (which present theoretical area of human living) has a low Heatmap coefficient to another variables. Despite that, it can be used to characterize a set of columns, which will present preferences of people in area. Geographical location, size of territory, nature of the relief and climate are columns, which is not present in dataset, but can be important to review Region and understand people’s preferences of products.</a:t>
+            </a:r>
+          </a:p>
+          <a:p>
+            <a:pPr algn="l" defTabSz="612775" eaLnBrk="0" hangingPunct="0">
+              <a:lnSpc>
+                <a:spcPct val="95000"/>
+              </a:lnSpc>
+            </a:pPr>
+            <a:endParaRPr lang="en-US" sz="2400" b="0" i="0" dirty="0">
+              <a:effectLst/>
+              <a:latin typeface="Söhne"/>
+            </a:endParaRPr>
           </a:p>
           <a:p>
             <a:pPr algn="l" defTabSz="612775" eaLnBrk="0" hangingPunct="0">
@@ -3183,53 +3229,6 @@
           </a:p>
         </p:txBody>
       </p:sp>
-      <p:pic>
-        <p:nvPicPr>
-          <p:cNvPr id="1036" name="Picture 12">
-            <a:extLst>
-              <a:ext uri="{FF2B5EF4-FFF2-40B4-BE49-F238E27FC236}">
-                <a16:creationId xmlns:a16="http://schemas.microsoft.com/office/drawing/2014/main" id="{8B915F12-9F02-E132-260D-A5FF12E7752B}"/>
-              </a:ext>
-            </a:extLst>
-          </p:cNvPr>
-          <p:cNvPicPr>
-            <a:picLocks noChangeAspect="1" noChangeArrowheads="1"/>
-          </p:cNvPicPr>
-          <p:nvPr/>
-        </p:nvPicPr>
-        <p:blipFill>
-          <a:blip r:embed="rId8">
-            <a:extLst>
-              <a:ext uri="{28A0092B-C50C-407E-A947-70E740481C1C}">
-                <a14:useLocalDpi xmlns:a14="http://schemas.microsoft.com/office/drawing/2010/main" val="0"/>
-              </a:ext>
-            </a:extLst>
-          </a:blip>
-          <a:srcRect/>
-          <a:stretch>
-            <a:fillRect/>
-          </a:stretch>
-        </p:blipFill>
-        <p:spPr bwMode="auto">
-          <a:xfrm>
-            <a:off x="20850224" y="27567271"/>
-            <a:ext cx="9821097" cy="5948345"/>
-          </a:xfrm>
-          <a:prstGeom prst="rect">
-            <a:avLst/>
-          </a:prstGeom>
-          <a:noFill/>
-          <a:extLst>
-            <a:ext uri="{909E8E84-426E-40DD-AFC4-6F175D3DCCD1}">
-              <a14:hiddenFill xmlns:a14="http://schemas.microsoft.com/office/drawing/2010/main">
-                <a:solidFill>
-                  <a:srgbClr val="FFFFFF"/>
-                </a:solidFill>
-              </a14:hiddenFill>
-            </a:ext>
-          </a:extLst>
-        </p:spPr>
-      </p:pic>
       <p:sp>
         <p:nvSpPr>
           <p:cNvPr id="5" name="Text Box 40">
@@ -3553,7 +3552,7 @@
           <p:nvPr/>
         </p:nvPicPr>
         <p:blipFill>
-          <a:blip r:embed="rId9">
+          <a:blip r:embed="rId8">
             <a:extLst>
               <a:ext uri="{28A0092B-C50C-407E-A947-70E740481C1C}">
                 <a14:useLocalDpi xmlns:a14="http://schemas.microsoft.com/office/drawing/2010/main" val="0"/>
